--- a/lineBot-workingFlow.pptx
+++ b/lineBot-workingFlow.pptx
@@ -6,6 +6,7 @@
   </p:sldMasterIdLst>
   <p:sldIdLst>
     <p:sldId id="256" r:id="rId2"/>
+    <p:sldId id="257" r:id="rId3"/>
   </p:sldIdLst>
   <p:sldSz cx="12192000" cy="6858000"/>
   <p:notesSz cx="6858000" cy="9144000"/>
@@ -104,6 +105,11 @@
       </a:defRPr>
     </a:lvl9pPr>
   </p:defaultTextStyle>
+  <p:extLst>
+    <p:ext uri="{EFAFB233-063F-42B5-8137-9DF3F51BA10A}">
+      <p15:sldGuideLst xmlns:p15="http://schemas.microsoft.com/office/powerpoint/2012/main"/>
+    </p:ext>
+  </p:extLst>
 </p:presentation>
 </file>
 
@@ -438,7 +444,7 @@
           <a:p>
             <a:fld id="{D98B40CF-768E-4D03-A7D3-4735E18FA762}" type="datetimeFigureOut">
               <a:rPr lang="zh-TW" altLang="en-US" smtClean="0"/>
-              <a:t>2021/9/8</a:t>
+              <a:t>2021/9/10</a:t>
             </a:fld>
             <a:endParaRPr lang="zh-TW" altLang="en-US"/>
           </a:p>
@@ -694,7 +700,7 @@
           <a:p>
             <a:fld id="{D98B40CF-768E-4D03-A7D3-4735E18FA762}" type="datetimeFigureOut">
               <a:rPr lang="zh-TW" altLang="en-US" smtClean="0"/>
-              <a:t>2021/9/8</a:t>
+              <a:t>2021/9/10</a:t>
             </a:fld>
             <a:endParaRPr lang="zh-TW" altLang="en-US"/>
           </a:p>
@@ -868,7 +874,7 @@
           <a:p>
             <a:fld id="{D98B40CF-768E-4D03-A7D3-4735E18FA762}" type="datetimeFigureOut">
               <a:rPr lang="zh-TW" altLang="en-US" smtClean="0"/>
-              <a:t>2021/9/8</a:t>
+              <a:t>2021/9/10</a:t>
             </a:fld>
             <a:endParaRPr lang="zh-TW" altLang="en-US"/>
           </a:p>
@@ -1211,7 +1217,7 @@
           <a:p>
             <a:fld id="{D98B40CF-768E-4D03-A7D3-4735E18FA762}" type="datetimeFigureOut">
               <a:rPr lang="zh-TW" altLang="en-US" smtClean="0"/>
-              <a:t>2021/9/8</a:t>
+              <a:t>2021/9/10</a:t>
             </a:fld>
             <a:endParaRPr lang="zh-TW" altLang="en-US"/>
           </a:p>
@@ -1486,7 +1492,7 @@
           <a:p>
             <a:fld id="{D98B40CF-768E-4D03-A7D3-4735E18FA762}" type="datetimeFigureOut">
               <a:rPr lang="zh-TW" altLang="en-US" smtClean="0"/>
-              <a:t>2021/9/8</a:t>
+              <a:t>2021/9/10</a:t>
             </a:fld>
             <a:endParaRPr lang="zh-TW" altLang="en-US"/>
           </a:p>
@@ -1865,7 +1871,7 @@
           <a:p>
             <a:fld id="{D98B40CF-768E-4D03-A7D3-4735E18FA762}" type="datetimeFigureOut">
               <a:rPr lang="zh-TW" altLang="en-US" smtClean="0"/>
-              <a:t>2021/9/8</a:t>
+              <a:t>2021/9/10</a:t>
             </a:fld>
             <a:endParaRPr lang="zh-TW" altLang="en-US"/>
           </a:p>
@@ -1983,7 +1989,7 @@
           <a:p>
             <a:fld id="{D98B40CF-768E-4D03-A7D3-4735E18FA762}" type="datetimeFigureOut">
               <a:rPr lang="zh-TW" altLang="en-US" smtClean="0"/>
-              <a:t>2021/9/8</a:t>
+              <a:t>2021/9/10</a:t>
             </a:fld>
             <a:endParaRPr lang="zh-TW" altLang="en-US"/>
           </a:p>
@@ -2154,7 +2160,7 @@
           <a:p>
             <a:fld id="{D98B40CF-768E-4D03-A7D3-4735E18FA762}" type="datetimeFigureOut">
               <a:rPr lang="zh-TW" altLang="en-US" smtClean="0"/>
-              <a:t>2021/9/8</a:t>
+              <a:t>2021/9/10</a:t>
             </a:fld>
             <a:endParaRPr lang="zh-TW" altLang="en-US"/>
           </a:p>
@@ -2508,7 +2514,7 @@
           <a:p>
             <a:fld id="{D98B40CF-768E-4D03-A7D3-4735E18FA762}" type="datetimeFigureOut">
               <a:rPr lang="zh-TW" altLang="en-US" smtClean="0"/>
-              <a:t>2021/9/8</a:t>
+              <a:t>2021/9/10</a:t>
             </a:fld>
             <a:endParaRPr lang="zh-TW" altLang="en-US"/>
           </a:p>
@@ -2890,7 +2896,7 @@
           <a:p>
             <a:fld id="{D98B40CF-768E-4D03-A7D3-4735E18FA762}" type="datetimeFigureOut">
               <a:rPr lang="zh-TW" altLang="en-US" smtClean="0"/>
-              <a:t>2021/9/8</a:t>
+              <a:t>2021/9/10</a:t>
             </a:fld>
             <a:endParaRPr lang="zh-TW" altLang="en-US"/>
           </a:p>
@@ -3177,7 +3183,7 @@
           <a:p>
             <a:fld id="{D98B40CF-768E-4D03-A7D3-4735E18FA762}" type="datetimeFigureOut">
               <a:rPr lang="zh-TW" altLang="en-US" smtClean="0"/>
-              <a:t>2021/9/8</a:t>
+              <a:t>2021/9/10</a:t>
             </a:fld>
             <a:endParaRPr lang="zh-TW" altLang="en-US"/>
           </a:p>
@@ -4491,6 +4497,1520 @@
 </p:sld>
 </file>
 
+<file path=ppt/slides/slide2.xml><?xml version="1.0" encoding="utf-8"?>
+<p:sld xmlns:a="http://schemas.openxmlformats.org/drawingml/2006/main" xmlns:r="http://schemas.openxmlformats.org/officeDocument/2006/relationships" xmlns:p="http://schemas.openxmlformats.org/presentationml/2006/main">
+  <p:cSld>
+    <p:spTree>
+      <p:nvGrpSpPr>
+        <p:cNvPr id="1" name=""/>
+        <p:cNvGrpSpPr/>
+        <p:nvPr/>
+      </p:nvGrpSpPr>
+      <p:grpSpPr>
+        <a:xfrm>
+          <a:off x="0" y="0"/>
+          <a:ext cx="0" cy="0"/>
+          <a:chOff x="0" y="0"/>
+          <a:chExt cx="0" cy="0"/>
+        </a:xfrm>
+      </p:grpSpPr>
+      <p:sp>
+        <p:nvSpPr>
+          <p:cNvPr id="2" name="標題 1">
+            <a:extLst>
+              <a:ext uri="{FF2B5EF4-FFF2-40B4-BE49-F238E27FC236}">
+                <a16:creationId xmlns:a16="http://schemas.microsoft.com/office/drawing/2014/main" id="{9D5F7979-AC74-469A-B9FE-4C69FAA7699A}"/>
+              </a:ext>
+            </a:extLst>
+          </p:cNvPr>
+          <p:cNvSpPr>
+            <a:spLocks noGrp="1"/>
+          </p:cNvSpPr>
+          <p:nvPr>
+            <p:ph type="ctrTitle"/>
+          </p:nvPr>
+        </p:nvSpPr>
+        <p:spPr/>
+        <p:txBody>
+          <a:bodyPr/>
+          <a:lstStyle/>
+          <a:p>
+            <a:r>
+              <a:rPr lang="en-US" altLang="zh-TW" dirty="0" err="1"/>
+              <a:t>lineBot</a:t>
+            </a:r>
+            <a:r>
+              <a:rPr lang="en-US" altLang="zh-TW" dirty="0"/>
+              <a:t> </a:t>
+            </a:r>
+            <a:r>
+              <a:rPr lang="zh-TW" altLang="en-US" dirty="0"/>
+              <a:t>運作流程</a:t>
+            </a:r>
+          </a:p>
+        </p:txBody>
+      </p:sp>
+      <p:sp>
+        <p:nvSpPr>
+          <p:cNvPr id="4" name="矩形: 圓角 3">
+            <a:extLst>
+              <a:ext uri="{FF2B5EF4-FFF2-40B4-BE49-F238E27FC236}">
+                <a16:creationId xmlns:a16="http://schemas.microsoft.com/office/drawing/2014/main" id="{D8C4E607-162B-4FA4-8C5B-54D22F133714}"/>
+              </a:ext>
+            </a:extLst>
+          </p:cNvPr>
+          <p:cNvSpPr/>
+          <p:nvPr/>
+        </p:nvSpPr>
+        <p:spPr>
+          <a:xfrm>
+            <a:off x="5377049" y="2599981"/>
+            <a:ext cx="973495" cy="911588"/>
+          </a:xfrm>
+          <a:prstGeom prst="roundRect">
+            <a:avLst/>
+          </a:prstGeom>
+        </p:spPr>
+        <p:style>
+          <a:lnRef idx="2">
+            <a:schemeClr val="accent1">
+              <a:shade val="50000"/>
+            </a:schemeClr>
+          </a:lnRef>
+          <a:fillRef idx="1">
+            <a:schemeClr val="accent1"/>
+          </a:fillRef>
+          <a:effectRef idx="0">
+            <a:schemeClr val="accent1"/>
+          </a:effectRef>
+          <a:fontRef idx="minor">
+            <a:schemeClr val="lt1"/>
+          </a:fontRef>
+        </p:style>
+        <p:txBody>
+          <a:bodyPr rtlCol="0" anchor="ctr"/>
+          <a:lstStyle/>
+          <a:p>
+            <a:pPr algn="ctr"/>
+            <a:r>
+              <a:rPr lang="en-US" altLang="zh-TW" dirty="0" err="1"/>
+              <a:t>lineBot</a:t>
+            </a:r>
+            <a:r>
+              <a:rPr lang="en-US" altLang="zh-TW" dirty="0"/>
+              <a:t> Server</a:t>
+            </a:r>
+            <a:endParaRPr lang="zh-TW" altLang="en-US" dirty="0"/>
+          </a:p>
+        </p:txBody>
+      </p:sp>
+      <p:sp>
+        <p:nvSpPr>
+          <p:cNvPr id="5" name="矩形: 圓角 4">
+            <a:extLst>
+              <a:ext uri="{FF2B5EF4-FFF2-40B4-BE49-F238E27FC236}">
+                <a16:creationId xmlns:a16="http://schemas.microsoft.com/office/drawing/2014/main" id="{B4B00A62-F279-4F61-B6D9-41F24B9044C2}"/>
+              </a:ext>
+            </a:extLst>
+          </p:cNvPr>
+          <p:cNvSpPr/>
+          <p:nvPr/>
+        </p:nvSpPr>
+        <p:spPr>
+          <a:xfrm>
+            <a:off x="1610784" y="2625493"/>
+            <a:ext cx="973495" cy="953575"/>
+          </a:xfrm>
+          <a:prstGeom prst="roundRect">
+            <a:avLst/>
+          </a:prstGeom>
+        </p:spPr>
+        <p:style>
+          <a:lnRef idx="2">
+            <a:schemeClr val="accent1">
+              <a:shade val="50000"/>
+            </a:schemeClr>
+          </a:lnRef>
+          <a:fillRef idx="1">
+            <a:schemeClr val="accent1"/>
+          </a:fillRef>
+          <a:effectRef idx="0">
+            <a:schemeClr val="accent1"/>
+          </a:effectRef>
+          <a:fontRef idx="minor">
+            <a:schemeClr val="lt1"/>
+          </a:fontRef>
+        </p:style>
+        <p:txBody>
+          <a:bodyPr rtlCol="0" anchor="ctr"/>
+          <a:lstStyle/>
+          <a:p>
+            <a:pPr algn="ctr"/>
+            <a:r>
+              <a:rPr lang="zh-TW" altLang="en-US" dirty="0"/>
+              <a:t>急救者</a:t>
+            </a:r>
+            <a:endParaRPr lang="en-US" altLang="zh-TW" dirty="0"/>
+          </a:p>
+        </p:txBody>
+      </p:sp>
+      <p:sp>
+        <p:nvSpPr>
+          <p:cNvPr id="6" name="矩形: 圓角 5">
+            <a:extLst>
+              <a:ext uri="{FF2B5EF4-FFF2-40B4-BE49-F238E27FC236}">
+                <a16:creationId xmlns:a16="http://schemas.microsoft.com/office/drawing/2014/main" id="{9B9FC526-E389-4552-8E9D-486BE4B9542A}"/>
+              </a:ext>
+            </a:extLst>
+          </p:cNvPr>
+          <p:cNvSpPr/>
+          <p:nvPr/>
+        </p:nvSpPr>
+        <p:spPr>
+          <a:xfrm>
+            <a:off x="9217178" y="2537000"/>
+            <a:ext cx="973495" cy="953575"/>
+          </a:xfrm>
+          <a:prstGeom prst="roundRect">
+            <a:avLst/>
+          </a:prstGeom>
+        </p:spPr>
+        <p:style>
+          <a:lnRef idx="2">
+            <a:schemeClr val="accent1">
+              <a:shade val="50000"/>
+            </a:schemeClr>
+          </a:lnRef>
+          <a:fillRef idx="1">
+            <a:schemeClr val="accent1"/>
+          </a:fillRef>
+          <a:effectRef idx="0">
+            <a:schemeClr val="accent1"/>
+          </a:effectRef>
+          <a:fontRef idx="minor">
+            <a:schemeClr val="lt1"/>
+          </a:fontRef>
+        </p:style>
+        <p:txBody>
+          <a:bodyPr rtlCol="0" anchor="ctr"/>
+          <a:lstStyle/>
+          <a:p>
+            <a:pPr algn="ctr"/>
+            <a:r>
+              <a:rPr lang="zh-TW" altLang="en-US" dirty="0"/>
+              <a:t>救護</a:t>
+            </a:r>
+            <a:endParaRPr lang="en-US" altLang="zh-TW" dirty="0"/>
+          </a:p>
+          <a:p>
+            <a:pPr algn="ctr"/>
+            <a:r>
+              <a:rPr lang="zh-TW" altLang="en-US" dirty="0"/>
+              <a:t>人員</a:t>
+            </a:r>
+          </a:p>
+        </p:txBody>
+      </p:sp>
+      <p:sp>
+        <p:nvSpPr>
+          <p:cNvPr id="7" name="箭號: 向右 6">
+            <a:extLst>
+              <a:ext uri="{FF2B5EF4-FFF2-40B4-BE49-F238E27FC236}">
+                <a16:creationId xmlns:a16="http://schemas.microsoft.com/office/drawing/2014/main" id="{E533B438-2B11-475E-A7E9-AD93F48EC8EC}"/>
+              </a:ext>
+            </a:extLst>
+          </p:cNvPr>
+          <p:cNvSpPr/>
+          <p:nvPr/>
+        </p:nvSpPr>
+        <p:spPr>
+          <a:xfrm>
+            <a:off x="3070833" y="2752531"/>
+            <a:ext cx="1875453" cy="261257"/>
+          </a:xfrm>
+          <a:prstGeom prst="rightArrow">
+            <a:avLst/>
+          </a:prstGeom>
+          <a:solidFill>
+            <a:srgbClr val="FF0000"/>
+          </a:solidFill>
+        </p:spPr>
+        <p:style>
+          <a:lnRef idx="2">
+            <a:schemeClr val="accent1">
+              <a:shade val="50000"/>
+            </a:schemeClr>
+          </a:lnRef>
+          <a:fillRef idx="1">
+            <a:schemeClr val="accent1"/>
+          </a:fillRef>
+          <a:effectRef idx="0">
+            <a:schemeClr val="accent1"/>
+          </a:effectRef>
+          <a:fontRef idx="minor">
+            <a:schemeClr val="lt1"/>
+          </a:fontRef>
+        </p:style>
+        <p:txBody>
+          <a:bodyPr rtlCol="0" anchor="ctr"/>
+          <a:lstStyle/>
+          <a:p>
+            <a:pPr algn="ctr"/>
+            <a:endParaRPr lang="zh-TW" altLang="en-US"/>
+          </a:p>
+        </p:txBody>
+      </p:sp>
+      <p:sp>
+        <p:nvSpPr>
+          <p:cNvPr id="8" name="箭號: 向右 7">
+            <a:extLst>
+              <a:ext uri="{FF2B5EF4-FFF2-40B4-BE49-F238E27FC236}">
+                <a16:creationId xmlns:a16="http://schemas.microsoft.com/office/drawing/2014/main" id="{4843F81F-E88E-43AF-9E54-357119F5C0C9}"/>
+              </a:ext>
+            </a:extLst>
+          </p:cNvPr>
+          <p:cNvSpPr/>
+          <p:nvPr/>
+        </p:nvSpPr>
+        <p:spPr>
+          <a:xfrm rot="10800000">
+            <a:off x="2991525" y="3116983"/>
+            <a:ext cx="1875453" cy="261257"/>
+          </a:xfrm>
+          <a:prstGeom prst="rightArrow">
+            <a:avLst/>
+          </a:prstGeom>
+          <a:solidFill>
+            <a:schemeClr val="tx1"/>
+          </a:solidFill>
+        </p:spPr>
+        <p:style>
+          <a:lnRef idx="2">
+            <a:schemeClr val="accent1">
+              <a:shade val="50000"/>
+            </a:schemeClr>
+          </a:lnRef>
+          <a:fillRef idx="1">
+            <a:schemeClr val="accent1"/>
+          </a:fillRef>
+          <a:effectRef idx="0">
+            <a:schemeClr val="accent1"/>
+          </a:effectRef>
+          <a:fontRef idx="minor">
+            <a:schemeClr val="lt1"/>
+          </a:fontRef>
+        </p:style>
+        <p:txBody>
+          <a:bodyPr rtlCol="0" anchor="ctr"/>
+          <a:lstStyle/>
+          <a:p>
+            <a:pPr algn="ctr"/>
+            <a:endParaRPr lang="zh-TW" altLang="en-US" dirty="0"/>
+          </a:p>
+        </p:txBody>
+      </p:sp>
+      <p:sp>
+        <p:nvSpPr>
+          <p:cNvPr id="9" name="箭號: 向右 8">
+            <a:extLst>
+              <a:ext uri="{FF2B5EF4-FFF2-40B4-BE49-F238E27FC236}">
+                <a16:creationId xmlns:a16="http://schemas.microsoft.com/office/drawing/2014/main" id="{B23FD972-9ED2-4CD7-AA72-ED86597DD715}"/>
+              </a:ext>
+            </a:extLst>
+          </p:cNvPr>
+          <p:cNvSpPr/>
+          <p:nvPr/>
+        </p:nvSpPr>
+        <p:spPr>
+          <a:xfrm>
+            <a:off x="6846135" y="2770826"/>
+            <a:ext cx="1875453" cy="261257"/>
+          </a:xfrm>
+          <a:prstGeom prst="rightArrow">
+            <a:avLst/>
+          </a:prstGeom>
+          <a:solidFill>
+            <a:srgbClr val="FF0000"/>
+          </a:solidFill>
+        </p:spPr>
+        <p:style>
+          <a:lnRef idx="2">
+            <a:schemeClr val="accent1">
+              <a:shade val="50000"/>
+            </a:schemeClr>
+          </a:lnRef>
+          <a:fillRef idx="1">
+            <a:schemeClr val="accent1"/>
+          </a:fillRef>
+          <a:effectRef idx="0">
+            <a:schemeClr val="accent1"/>
+          </a:effectRef>
+          <a:fontRef idx="minor">
+            <a:schemeClr val="lt1"/>
+          </a:fontRef>
+        </p:style>
+        <p:txBody>
+          <a:bodyPr rtlCol="0" anchor="ctr"/>
+          <a:lstStyle/>
+          <a:p>
+            <a:pPr algn="ctr"/>
+            <a:endParaRPr lang="zh-TW" altLang="en-US"/>
+          </a:p>
+        </p:txBody>
+      </p:sp>
+      <p:sp>
+        <p:nvSpPr>
+          <p:cNvPr id="11" name="文字方塊 10">
+            <a:extLst>
+              <a:ext uri="{FF2B5EF4-FFF2-40B4-BE49-F238E27FC236}">
+                <a16:creationId xmlns:a16="http://schemas.microsoft.com/office/drawing/2014/main" id="{0284B003-0C75-4D6D-91EF-8B378619FA5F}"/>
+              </a:ext>
+            </a:extLst>
+          </p:cNvPr>
+          <p:cNvSpPr txBox="1"/>
+          <p:nvPr/>
+        </p:nvSpPr>
+        <p:spPr>
+          <a:xfrm>
+            <a:off x="3407908" y="2391356"/>
+            <a:ext cx="1107996" cy="369332"/>
+          </a:xfrm>
+          <a:prstGeom prst="rect">
+            <a:avLst/>
+          </a:prstGeom>
+          <a:noFill/>
+        </p:spPr>
+        <p:txBody>
+          <a:bodyPr wrap="none" rtlCol="0">
+            <a:spAutoFit/>
+          </a:bodyPr>
+          <a:lstStyle/>
+          <a:p>
+            <a:r>
+              <a:rPr lang="zh-TW" altLang="en-US" dirty="0">
+                <a:latin typeface="標楷體" panose="03000509000000000000" pitchFamily="65" charset="-120"/>
+                <a:ea typeface="標楷體" panose="03000509000000000000" pitchFamily="65" charset="-120"/>
+              </a:rPr>
+              <a:t>按下開始</a:t>
+            </a:r>
+          </a:p>
+        </p:txBody>
+      </p:sp>
+      <p:sp>
+        <p:nvSpPr>
+          <p:cNvPr id="13" name="文字方塊 12">
+            <a:extLst>
+              <a:ext uri="{FF2B5EF4-FFF2-40B4-BE49-F238E27FC236}">
+                <a16:creationId xmlns:a16="http://schemas.microsoft.com/office/drawing/2014/main" id="{F6B42075-C2D4-42D5-8C71-0D8346EC09A3}"/>
+              </a:ext>
+            </a:extLst>
+          </p:cNvPr>
+          <p:cNvSpPr txBox="1"/>
+          <p:nvPr/>
+        </p:nvSpPr>
+        <p:spPr>
+          <a:xfrm>
+            <a:off x="2787117" y="3387570"/>
+            <a:ext cx="2377574" cy="369332"/>
+          </a:xfrm>
+          <a:prstGeom prst="rect">
+            <a:avLst/>
+          </a:prstGeom>
+          <a:noFill/>
+        </p:spPr>
+        <p:txBody>
+          <a:bodyPr wrap="none" rtlCol="0">
+            <a:spAutoFit/>
+          </a:bodyPr>
+          <a:lstStyle/>
+          <a:p>
+            <a:r>
+              <a:rPr lang="zh-TW" altLang="en-US" dirty="0">
+                <a:latin typeface="標楷體" panose="03000509000000000000" pitchFamily="65" charset="-120"/>
+                <a:ea typeface="標楷體" panose="03000509000000000000" pitchFamily="65" charset="-120"/>
+              </a:rPr>
+              <a:t>提示</a:t>
+            </a:r>
+            <a:r>
+              <a:rPr lang="en-US" altLang="zh-TW" dirty="0">
+                <a:latin typeface="標楷體" panose="03000509000000000000" pitchFamily="65" charset="-120"/>
+                <a:ea typeface="標楷體" panose="03000509000000000000" pitchFamily="65" charset="-120"/>
+              </a:rPr>
+              <a:t>CPR</a:t>
+            </a:r>
+            <a:r>
+              <a:rPr lang="zh-TW" altLang="en-US" dirty="0">
+                <a:latin typeface="標楷體" panose="03000509000000000000" pitchFamily="65" charset="-120"/>
+                <a:ea typeface="標楷體" panose="03000509000000000000" pitchFamily="65" charset="-120"/>
+              </a:rPr>
+              <a:t>前流程與建議</a:t>
+            </a:r>
+          </a:p>
+        </p:txBody>
+      </p:sp>
+      <p:sp>
+        <p:nvSpPr>
+          <p:cNvPr id="14" name="文字方塊 13">
+            <a:extLst>
+              <a:ext uri="{FF2B5EF4-FFF2-40B4-BE49-F238E27FC236}">
+                <a16:creationId xmlns:a16="http://schemas.microsoft.com/office/drawing/2014/main" id="{703B62C9-162D-480A-81CE-2FADC5CC3DC7}"/>
+              </a:ext>
+            </a:extLst>
+          </p:cNvPr>
+          <p:cNvSpPr txBox="1"/>
+          <p:nvPr/>
+        </p:nvSpPr>
+        <p:spPr>
+          <a:xfrm>
+            <a:off x="1525739" y="5398403"/>
+            <a:ext cx="3762568" cy="369332"/>
+          </a:xfrm>
+          <a:prstGeom prst="rect">
+            <a:avLst/>
+          </a:prstGeom>
+          <a:noFill/>
+        </p:spPr>
+        <p:txBody>
+          <a:bodyPr wrap="none" rtlCol="0">
+            <a:spAutoFit/>
+          </a:bodyPr>
+          <a:lstStyle/>
+          <a:p>
+            <a:r>
+              <a:rPr lang="zh-TW" altLang="en-US" dirty="0">
+                <a:latin typeface="標楷體" panose="03000509000000000000" pitchFamily="65" charset="-120"/>
+                <a:ea typeface="標楷體" panose="03000509000000000000" pitchFamily="65" charset="-120"/>
+              </a:rPr>
+              <a:t>將硬體資訊上傳至 </a:t>
+            </a:r>
+            <a:r>
+              <a:rPr lang="en-US" altLang="zh-TW" dirty="0" err="1">
+                <a:latin typeface="標楷體" panose="03000509000000000000" pitchFamily="65" charset="-120"/>
+                <a:ea typeface="標楷體" panose="03000509000000000000" pitchFamily="65" charset="-120"/>
+              </a:rPr>
+              <a:t>lineBot</a:t>
+            </a:r>
+            <a:r>
+              <a:rPr lang="en-US" altLang="zh-TW" dirty="0">
+                <a:latin typeface="標楷體" panose="03000509000000000000" pitchFamily="65" charset="-120"/>
+                <a:ea typeface="標楷體" panose="03000509000000000000" pitchFamily="65" charset="-120"/>
+              </a:rPr>
+              <a:t> Server</a:t>
+            </a:r>
+            <a:endParaRPr lang="zh-TW" altLang="en-US" dirty="0">
+              <a:latin typeface="標楷體" panose="03000509000000000000" pitchFamily="65" charset="-120"/>
+              <a:ea typeface="標楷體" panose="03000509000000000000" pitchFamily="65" charset="-120"/>
+            </a:endParaRPr>
+          </a:p>
+        </p:txBody>
+      </p:sp>
+      <p:sp>
+        <p:nvSpPr>
+          <p:cNvPr id="17" name="矩形: 圓角 16">
+            <a:extLst>
+              <a:ext uri="{FF2B5EF4-FFF2-40B4-BE49-F238E27FC236}">
+                <a16:creationId xmlns:a16="http://schemas.microsoft.com/office/drawing/2014/main" id="{8838A05E-36B9-4067-9E01-95FE85AA323D}"/>
+              </a:ext>
+            </a:extLst>
+          </p:cNvPr>
+          <p:cNvSpPr/>
+          <p:nvPr/>
+        </p:nvSpPr>
+        <p:spPr>
+          <a:xfrm>
+            <a:off x="2827749" y="4383367"/>
+            <a:ext cx="973495" cy="953575"/>
+          </a:xfrm>
+          <a:prstGeom prst="roundRect">
+            <a:avLst/>
+          </a:prstGeom>
+        </p:spPr>
+        <p:style>
+          <a:lnRef idx="2">
+            <a:schemeClr val="accent5">
+              <a:shade val="50000"/>
+            </a:schemeClr>
+          </a:lnRef>
+          <a:fillRef idx="1">
+            <a:schemeClr val="accent5"/>
+          </a:fillRef>
+          <a:effectRef idx="0">
+            <a:schemeClr val="accent5"/>
+          </a:effectRef>
+          <a:fontRef idx="minor">
+            <a:schemeClr val="lt1"/>
+          </a:fontRef>
+        </p:style>
+        <p:txBody>
+          <a:bodyPr rtlCol="0" anchor="ctr"/>
+          <a:lstStyle/>
+          <a:p>
+            <a:pPr algn="ctr"/>
+            <a:r>
+              <a:rPr lang="en-US" altLang="zh-TW" dirty="0"/>
+              <a:t>CLICK</a:t>
+            </a:r>
+          </a:p>
+        </p:txBody>
+      </p:sp>
+      <p:sp>
+        <p:nvSpPr>
+          <p:cNvPr id="20" name="矩形: 圓角 19">
+            <a:extLst>
+              <a:ext uri="{FF2B5EF4-FFF2-40B4-BE49-F238E27FC236}">
+                <a16:creationId xmlns:a16="http://schemas.microsoft.com/office/drawing/2014/main" id="{F409A61C-6EEA-4A11-AD3F-D6185DDF9C2E}"/>
+              </a:ext>
+            </a:extLst>
+          </p:cNvPr>
+          <p:cNvSpPr/>
+          <p:nvPr/>
+        </p:nvSpPr>
+        <p:spPr>
+          <a:xfrm>
+            <a:off x="5285513" y="636142"/>
+            <a:ext cx="1147607" cy="953575"/>
+          </a:xfrm>
+          <a:prstGeom prst="roundRect">
+            <a:avLst/>
+          </a:prstGeom>
+          <a:solidFill>
+            <a:srgbClr val="92D050"/>
+          </a:solidFill>
+        </p:spPr>
+        <p:style>
+          <a:lnRef idx="2">
+            <a:schemeClr val="accent5">
+              <a:shade val="50000"/>
+            </a:schemeClr>
+          </a:lnRef>
+          <a:fillRef idx="1">
+            <a:schemeClr val="accent5"/>
+          </a:fillRef>
+          <a:effectRef idx="0">
+            <a:schemeClr val="accent5"/>
+          </a:effectRef>
+          <a:fontRef idx="minor">
+            <a:schemeClr val="lt1"/>
+          </a:fontRef>
+        </p:style>
+        <p:txBody>
+          <a:bodyPr rtlCol="0" anchor="ctr"/>
+          <a:lstStyle/>
+          <a:p>
+            <a:pPr algn="ctr"/>
+            <a:r>
+              <a:rPr lang="en-US" altLang="zh-TW" dirty="0"/>
+              <a:t>Line Platform</a:t>
+            </a:r>
+          </a:p>
+        </p:txBody>
+      </p:sp>
+      <p:sp>
+        <p:nvSpPr>
+          <p:cNvPr id="21" name="箭號: 向右 20">
+            <a:extLst>
+              <a:ext uri="{FF2B5EF4-FFF2-40B4-BE49-F238E27FC236}">
+                <a16:creationId xmlns:a16="http://schemas.microsoft.com/office/drawing/2014/main" id="{4B6E6A45-E0EE-48EB-8693-65F39FC536C0}"/>
+              </a:ext>
+            </a:extLst>
+          </p:cNvPr>
+          <p:cNvSpPr/>
+          <p:nvPr/>
+        </p:nvSpPr>
+        <p:spPr>
+          <a:xfrm rot="19668454">
+            <a:off x="3811518" y="4178404"/>
+            <a:ext cx="1875453" cy="261257"/>
+          </a:xfrm>
+          <a:prstGeom prst="rightArrow">
+            <a:avLst/>
+          </a:prstGeom>
+          <a:solidFill>
+            <a:srgbClr val="FF0000"/>
+          </a:solidFill>
+        </p:spPr>
+        <p:style>
+          <a:lnRef idx="2">
+            <a:schemeClr val="accent1">
+              <a:shade val="50000"/>
+            </a:schemeClr>
+          </a:lnRef>
+          <a:fillRef idx="1">
+            <a:schemeClr val="accent1"/>
+          </a:fillRef>
+          <a:effectRef idx="0">
+            <a:schemeClr val="accent1"/>
+          </a:effectRef>
+          <a:fontRef idx="minor">
+            <a:schemeClr val="lt1"/>
+          </a:fontRef>
+        </p:style>
+        <p:txBody>
+          <a:bodyPr rtlCol="0" anchor="ctr"/>
+          <a:lstStyle/>
+          <a:p>
+            <a:pPr algn="ctr"/>
+            <a:endParaRPr lang="zh-TW" altLang="en-US"/>
+          </a:p>
+        </p:txBody>
+      </p:sp>
+      <p:sp>
+        <p:nvSpPr>
+          <p:cNvPr id="22" name="文字方塊 21">
+            <a:extLst>
+              <a:ext uri="{FF2B5EF4-FFF2-40B4-BE49-F238E27FC236}">
+                <a16:creationId xmlns:a16="http://schemas.microsoft.com/office/drawing/2014/main" id="{AA05F87F-0DCB-4F19-9230-2C2FD7898FCF}"/>
+              </a:ext>
+            </a:extLst>
+          </p:cNvPr>
+          <p:cNvSpPr txBox="1"/>
+          <p:nvPr/>
+        </p:nvSpPr>
+        <p:spPr>
+          <a:xfrm>
+            <a:off x="6537366" y="2141438"/>
+            <a:ext cx="2492990" cy="646331"/>
+          </a:xfrm>
+          <a:prstGeom prst="rect">
+            <a:avLst/>
+          </a:prstGeom>
+          <a:noFill/>
+        </p:spPr>
+        <p:txBody>
+          <a:bodyPr wrap="none" rtlCol="0">
+            <a:spAutoFit/>
+          </a:bodyPr>
+          <a:lstStyle/>
+          <a:p>
+            <a:r>
+              <a:rPr lang="zh-TW" altLang="en-US" dirty="0">
+                <a:latin typeface="標楷體" panose="03000509000000000000" pitchFamily="65" charset="-120"/>
+                <a:ea typeface="標楷體" panose="03000509000000000000" pitchFamily="65" charset="-120"/>
+              </a:rPr>
+              <a:t>當有急救者開始急救，</a:t>
+            </a:r>
+            <a:endParaRPr lang="en-US" altLang="zh-TW" dirty="0">
+              <a:latin typeface="標楷體" panose="03000509000000000000" pitchFamily="65" charset="-120"/>
+              <a:ea typeface="標楷體" panose="03000509000000000000" pitchFamily="65" charset="-120"/>
+            </a:endParaRPr>
+          </a:p>
+          <a:p>
+            <a:r>
+              <a:rPr lang="zh-TW" altLang="en-US" dirty="0">
+                <a:latin typeface="標楷體" panose="03000509000000000000" pitchFamily="65" charset="-120"/>
+                <a:ea typeface="標楷體" panose="03000509000000000000" pitchFamily="65" charset="-120"/>
+              </a:rPr>
+              <a:t>發出通知警示救護人員</a:t>
+            </a:r>
+            <a:endParaRPr lang="en-US" altLang="zh-TW" dirty="0">
+              <a:latin typeface="標楷體" panose="03000509000000000000" pitchFamily="65" charset="-120"/>
+              <a:ea typeface="標楷體" panose="03000509000000000000" pitchFamily="65" charset="-120"/>
+            </a:endParaRPr>
+          </a:p>
+        </p:txBody>
+      </p:sp>
+      <p:sp>
+        <p:nvSpPr>
+          <p:cNvPr id="23" name="文字方塊 22">
+            <a:extLst>
+              <a:ext uri="{FF2B5EF4-FFF2-40B4-BE49-F238E27FC236}">
+                <a16:creationId xmlns:a16="http://schemas.microsoft.com/office/drawing/2014/main" id="{EB7903E9-EB53-40DF-9FFA-EEB3C2CC93FB}"/>
+              </a:ext>
+            </a:extLst>
+          </p:cNvPr>
+          <p:cNvSpPr txBox="1"/>
+          <p:nvPr/>
+        </p:nvSpPr>
+        <p:spPr>
+          <a:xfrm>
+            <a:off x="8439417" y="3514825"/>
+            <a:ext cx="3877985" cy="646331"/>
+          </a:xfrm>
+          <a:prstGeom prst="rect">
+            <a:avLst/>
+          </a:prstGeom>
+          <a:noFill/>
+        </p:spPr>
+        <p:txBody>
+          <a:bodyPr wrap="none" rtlCol="0">
+            <a:spAutoFit/>
+          </a:bodyPr>
+          <a:lstStyle/>
+          <a:p>
+            <a:r>
+              <a:rPr lang="zh-TW" altLang="en-US" dirty="0">
+                <a:latin typeface="標楷體" panose="03000509000000000000" pitchFamily="65" charset="-120"/>
+                <a:ea typeface="標楷體" panose="03000509000000000000" pitchFamily="65" charset="-120"/>
+              </a:rPr>
+              <a:t>救護人員可再依提示進入另一網頁，</a:t>
+            </a:r>
+            <a:endParaRPr lang="en-US" altLang="zh-TW" dirty="0">
+              <a:latin typeface="標楷體" panose="03000509000000000000" pitchFamily="65" charset="-120"/>
+              <a:ea typeface="標楷體" panose="03000509000000000000" pitchFamily="65" charset="-120"/>
+            </a:endParaRPr>
+          </a:p>
+          <a:p>
+            <a:r>
+              <a:rPr lang="zh-TW" altLang="en-US" dirty="0">
+                <a:latin typeface="標楷體" panose="03000509000000000000" pitchFamily="65" charset="-120"/>
+                <a:ea typeface="標楷體" panose="03000509000000000000" pitchFamily="65" charset="-120"/>
+              </a:rPr>
+              <a:t>該網頁提供</a:t>
+            </a:r>
+            <a:r>
+              <a:rPr lang="en-US" altLang="zh-TW" dirty="0">
+                <a:latin typeface="標楷體" panose="03000509000000000000" pitchFamily="65" charset="-120"/>
+                <a:ea typeface="標楷體" panose="03000509000000000000" pitchFamily="65" charset="-120"/>
+              </a:rPr>
+              <a:t>CLICK</a:t>
+            </a:r>
+            <a:r>
+              <a:rPr lang="zh-TW" altLang="en-US" dirty="0">
+                <a:latin typeface="標楷體" panose="03000509000000000000" pitchFamily="65" charset="-120"/>
+                <a:ea typeface="標楷體" panose="03000509000000000000" pitchFamily="65" charset="-120"/>
+              </a:rPr>
+              <a:t>即時心率等訊息</a:t>
+            </a:r>
+          </a:p>
+        </p:txBody>
+      </p:sp>
+      <p:sp>
+        <p:nvSpPr>
+          <p:cNvPr id="24" name="文字方塊 23">
+            <a:extLst>
+              <a:ext uri="{FF2B5EF4-FFF2-40B4-BE49-F238E27FC236}">
+                <a16:creationId xmlns:a16="http://schemas.microsoft.com/office/drawing/2014/main" id="{07C6B5B2-2700-4FAC-A977-B9822FD85C5A}"/>
+              </a:ext>
+            </a:extLst>
+          </p:cNvPr>
+          <p:cNvSpPr txBox="1"/>
+          <p:nvPr/>
+        </p:nvSpPr>
+        <p:spPr>
+          <a:xfrm>
+            <a:off x="244426" y="1633458"/>
+            <a:ext cx="3070071" cy="923330"/>
+          </a:xfrm>
+          <a:prstGeom prst="rect">
+            <a:avLst/>
+          </a:prstGeom>
+          <a:noFill/>
+        </p:spPr>
+        <p:txBody>
+          <a:bodyPr wrap="none" rtlCol="0">
+            <a:spAutoFit/>
+          </a:bodyPr>
+          <a:lstStyle/>
+          <a:p>
+            <a:r>
+              <a:rPr lang="zh-TW" altLang="en-US" dirty="0">
+                <a:latin typeface="標楷體" panose="03000509000000000000" pitchFamily="65" charset="-120"/>
+                <a:ea typeface="標楷體" panose="03000509000000000000" pitchFamily="65" charset="-120"/>
+              </a:rPr>
+              <a:t>急救者遵循</a:t>
+            </a:r>
+            <a:r>
+              <a:rPr lang="en-US" altLang="zh-TW" dirty="0">
+                <a:latin typeface="標楷體" panose="03000509000000000000" pitchFamily="65" charset="-120"/>
+                <a:ea typeface="標楷體" panose="03000509000000000000" pitchFamily="65" charset="-120"/>
+              </a:rPr>
+              <a:t>CPR</a:t>
+            </a:r>
+            <a:r>
+              <a:rPr lang="zh-TW" altLang="en-US" dirty="0">
+                <a:latin typeface="標楷體" panose="03000509000000000000" pitchFamily="65" charset="-120"/>
+                <a:ea typeface="標楷體" panose="03000509000000000000" pitchFamily="65" charset="-120"/>
+              </a:rPr>
+              <a:t>前流程後，</a:t>
+            </a:r>
+            <a:endParaRPr lang="en-US" altLang="zh-TW" dirty="0">
+              <a:latin typeface="標楷體" panose="03000509000000000000" pitchFamily="65" charset="-120"/>
+              <a:ea typeface="標楷體" panose="03000509000000000000" pitchFamily="65" charset="-120"/>
+            </a:endParaRPr>
+          </a:p>
+          <a:p>
+            <a:r>
+              <a:rPr lang="zh-TW" altLang="en-US" dirty="0">
+                <a:latin typeface="標楷體" panose="03000509000000000000" pitchFamily="65" charset="-120"/>
+                <a:ea typeface="標楷體" panose="03000509000000000000" pitchFamily="65" charset="-120"/>
+              </a:rPr>
+              <a:t>開始依照</a:t>
+            </a:r>
+            <a:r>
+              <a:rPr lang="en-US" altLang="zh-TW" dirty="0">
+                <a:latin typeface="標楷體" panose="03000509000000000000" pitchFamily="65" charset="-120"/>
+                <a:ea typeface="標楷體" panose="03000509000000000000" pitchFamily="65" charset="-120"/>
+              </a:rPr>
+              <a:t>CLICK</a:t>
+            </a:r>
+            <a:r>
+              <a:rPr lang="zh-TW" altLang="en-US" dirty="0">
+                <a:latin typeface="標楷體" panose="03000509000000000000" pitchFamily="65" charset="-120"/>
+                <a:ea typeface="標楷體" panose="03000509000000000000" pitchFamily="65" charset="-120"/>
+              </a:rPr>
+              <a:t>呼吸燈急救，</a:t>
+            </a:r>
+            <a:endParaRPr lang="en-US" altLang="zh-TW" dirty="0">
+              <a:latin typeface="標楷體" panose="03000509000000000000" pitchFamily="65" charset="-120"/>
+              <a:ea typeface="標楷體" panose="03000509000000000000" pitchFamily="65" charset="-120"/>
+            </a:endParaRPr>
+          </a:p>
+          <a:p>
+            <a:r>
+              <a:rPr lang="zh-TW" altLang="en-US" dirty="0">
+                <a:latin typeface="標楷體" panose="03000509000000000000" pitchFamily="65" charset="-120"/>
+                <a:ea typeface="標楷體" panose="03000509000000000000" pitchFamily="65" charset="-120"/>
+              </a:rPr>
+              <a:t>此時基本上不會利用到</a:t>
+            </a:r>
+            <a:r>
+              <a:rPr lang="en-US" altLang="zh-TW" dirty="0">
+                <a:latin typeface="標楷體" panose="03000509000000000000" pitchFamily="65" charset="-120"/>
+                <a:ea typeface="標楷體" panose="03000509000000000000" pitchFamily="65" charset="-120"/>
+              </a:rPr>
+              <a:t>LINE</a:t>
+            </a:r>
+            <a:endParaRPr lang="zh-TW" altLang="en-US" dirty="0">
+              <a:latin typeface="標楷體" panose="03000509000000000000" pitchFamily="65" charset="-120"/>
+              <a:ea typeface="標楷體" panose="03000509000000000000" pitchFamily="65" charset="-120"/>
+            </a:endParaRPr>
+          </a:p>
+        </p:txBody>
+      </p:sp>
+      <p:sp>
+        <p:nvSpPr>
+          <p:cNvPr id="25" name="文字方塊 24">
+            <a:extLst>
+              <a:ext uri="{FF2B5EF4-FFF2-40B4-BE49-F238E27FC236}">
+                <a16:creationId xmlns:a16="http://schemas.microsoft.com/office/drawing/2014/main" id="{50CD9D30-BA2A-4289-9911-76B3A2B1470F}"/>
+              </a:ext>
+            </a:extLst>
+          </p:cNvPr>
+          <p:cNvSpPr txBox="1"/>
+          <p:nvPr/>
+        </p:nvSpPr>
+        <p:spPr>
+          <a:xfrm>
+            <a:off x="4610693" y="4417936"/>
+            <a:ext cx="1107996" cy="369332"/>
+          </a:xfrm>
+          <a:prstGeom prst="rect">
+            <a:avLst/>
+          </a:prstGeom>
+          <a:noFill/>
+        </p:spPr>
+        <p:txBody>
+          <a:bodyPr wrap="none" rtlCol="0">
+            <a:spAutoFit/>
+          </a:bodyPr>
+          <a:lstStyle/>
+          <a:p>
+            <a:r>
+              <a:rPr lang="zh-TW" altLang="en-US" dirty="0">
+                <a:latin typeface="標楷體" panose="03000509000000000000" pitchFamily="65" charset="-120"/>
+                <a:ea typeface="標楷體" panose="03000509000000000000" pitchFamily="65" charset="-120"/>
+              </a:rPr>
+              <a:t>資料上傳</a:t>
+            </a:r>
+          </a:p>
+        </p:txBody>
+      </p:sp>
+      <p:sp>
+        <p:nvSpPr>
+          <p:cNvPr id="26" name="矩形: 圓角 25">
+            <a:extLst>
+              <a:ext uri="{FF2B5EF4-FFF2-40B4-BE49-F238E27FC236}">
+                <a16:creationId xmlns:a16="http://schemas.microsoft.com/office/drawing/2014/main" id="{289EE9B1-CAED-41F4-B343-DCD01C6CB1E0}"/>
+              </a:ext>
+            </a:extLst>
+          </p:cNvPr>
+          <p:cNvSpPr/>
+          <p:nvPr/>
+        </p:nvSpPr>
+        <p:spPr>
+          <a:xfrm>
+            <a:off x="7908216" y="4397191"/>
+            <a:ext cx="1291430" cy="953575"/>
+          </a:xfrm>
+          <a:prstGeom prst="roundRect">
+            <a:avLst/>
+          </a:prstGeom>
+          <a:solidFill>
+            <a:schemeClr val="bg2">
+              <a:lumMod val="50000"/>
+            </a:schemeClr>
+          </a:solidFill>
+        </p:spPr>
+        <p:style>
+          <a:lnRef idx="2">
+            <a:schemeClr val="accent5">
+              <a:shade val="50000"/>
+            </a:schemeClr>
+          </a:lnRef>
+          <a:fillRef idx="1">
+            <a:schemeClr val="accent5"/>
+          </a:fillRef>
+          <a:effectRef idx="0">
+            <a:schemeClr val="accent5"/>
+          </a:effectRef>
+          <a:fontRef idx="minor">
+            <a:schemeClr val="lt1"/>
+          </a:fontRef>
+        </p:style>
+        <p:txBody>
+          <a:bodyPr rtlCol="0" anchor="ctr"/>
+          <a:lstStyle/>
+          <a:p>
+            <a:pPr algn="ctr"/>
+            <a:r>
+              <a:rPr lang="en-US" altLang="zh-TW" dirty="0"/>
+              <a:t>CLICK</a:t>
+            </a:r>
+          </a:p>
+          <a:p>
+            <a:pPr algn="ctr"/>
+            <a:r>
+              <a:rPr lang="zh-TW" altLang="en-US" dirty="0"/>
+              <a:t>即時資訊網頁</a:t>
+            </a:r>
+            <a:endParaRPr lang="en-US" altLang="zh-TW" dirty="0"/>
+          </a:p>
+        </p:txBody>
+      </p:sp>
+      <p:sp>
+        <p:nvSpPr>
+          <p:cNvPr id="27" name="箭號: 向右 26">
+            <a:extLst>
+              <a:ext uri="{FF2B5EF4-FFF2-40B4-BE49-F238E27FC236}">
+                <a16:creationId xmlns:a16="http://schemas.microsoft.com/office/drawing/2014/main" id="{D8A7A0A5-7293-45E8-9362-D2CE8D47B47A}"/>
+              </a:ext>
+            </a:extLst>
+          </p:cNvPr>
+          <p:cNvSpPr/>
+          <p:nvPr/>
+        </p:nvSpPr>
+        <p:spPr>
+          <a:xfrm rot="1253392">
+            <a:off x="6369872" y="3754781"/>
+            <a:ext cx="1875453" cy="261257"/>
+          </a:xfrm>
+          <a:prstGeom prst="rightArrow">
+            <a:avLst/>
+          </a:prstGeom>
+          <a:solidFill>
+            <a:schemeClr val="tx1"/>
+          </a:solidFill>
+        </p:spPr>
+        <p:style>
+          <a:lnRef idx="2">
+            <a:schemeClr val="accent1">
+              <a:shade val="50000"/>
+            </a:schemeClr>
+          </a:lnRef>
+          <a:fillRef idx="1">
+            <a:schemeClr val="accent1"/>
+          </a:fillRef>
+          <a:effectRef idx="0">
+            <a:schemeClr val="accent1"/>
+          </a:effectRef>
+          <a:fontRef idx="minor">
+            <a:schemeClr val="lt1"/>
+          </a:fontRef>
+        </p:style>
+        <p:txBody>
+          <a:bodyPr rtlCol="0" anchor="ctr"/>
+          <a:lstStyle/>
+          <a:p>
+            <a:pPr algn="ctr"/>
+            <a:endParaRPr lang="zh-TW" altLang="en-US"/>
+          </a:p>
+        </p:txBody>
+      </p:sp>
+      <p:sp>
+        <p:nvSpPr>
+          <p:cNvPr id="29" name="箭號: 向右 28">
+            <a:extLst>
+              <a:ext uri="{FF2B5EF4-FFF2-40B4-BE49-F238E27FC236}">
+                <a16:creationId xmlns:a16="http://schemas.microsoft.com/office/drawing/2014/main" id="{9B8CBA91-8A7F-4D52-840E-6DB3CA042BE3}"/>
+              </a:ext>
+            </a:extLst>
+          </p:cNvPr>
+          <p:cNvSpPr/>
+          <p:nvPr/>
+        </p:nvSpPr>
+        <p:spPr>
+          <a:xfrm rot="7443759">
+            <a:off x="9245222" y="4516599"/>
+            <a:ext cx="886979" cy="244449"/>
+          </a:xfrm>
+          <a:prstGeom prst="rightArrow">
+            <a:avLst/>
+          </a:prstGeom>
+          <a:solidFill>
+            <a:srgbClr val="92D050"/>
+          </a:solidFill>
+        </p:spPr>
+        <p:style>
+          <a:lnRef idx="2">
+            <a:schemeClr val="accent1">
+              <a:shade val="50000"/>
+            </a:schemeClr>
+          </a:lnRef>
+          <a:fillRef idx="1">
+            <a:schemeClr val="accent1"/>
+          </a:fillRef>
+          <a:effectRef idx="0">
+            <a:schemeClr val="accent1"/>
+          </a:effectRef>
+          <a:fontRef idx="minor">
+            <a:schemeClr val="lt1"/>
+          </a:fontRef>
+        </p:style>
+        <p:txBody>
+          <a:bodyPr rtlCol="0" anchor="ctr"/>
+          <a:lstStyle/>
+          <a:p>
+            <a:pPr algn="ctr"/>
+            <a:endParaRPr lang="zh-TW" altLang="en-US"/>
+          </a:p>
+        </p:txBody>
+      </p:sp>
+      <p:grpSp>
+        <p:nvGrpSpPr>
+          <p:cNvPr id="32" name="群組 31">
+            <a:extLst>
+              <a:ext uri="{FF2B5EF4-FFF2-40B4-BE49-F238E27FC236}">
+                <a16:creationId xmlns:a16="http://schemas.microsoft.com/office/drawing/2014/main" id="{3952E9DB-8CB4-48BB-9AEA-3946E754FE8D}"/>
+              </a:ext>
+            </a:extLst>
+          </p:cNvPr>
+          <p:cNvGrpSpPr/>
+          <p:nvPr/>
+        </p:nvGrpSpPr>
+        <p:grpSpPr>
+          <a:xfrm>
+            <a:off x="8404138" y="300395"/>
+            <a:ext cx="3389638" cy="338554"/>
+            <a:chOff x="9030356" y="150097"/>
+            <a:chExt cx="3389638" cy="338554"/>
+          </a:xfrm>
+        </p:grpSpPr>
+        <p:sp>
+          <p:nvSpPr>
+            <p:cNvPr id="30" name="箭號: 向右 29">
+              <a:extLst>
+                <a:ext uri="{FF2B5EF4-FFF2-40B4-BE49-F238E27FC236}">
+                  <a16:creationId xmlns:a16="http://schemas.microsoft.com/office/drawing/2014/main" id="{1F7DFB44-807C-4FBA-B8D8-874FDD4803BC}"/>
+                </a:ext>
+              </a:extLst>
+            </p:cNvPr>
+            <p:cNvSpPr/>
+            <p:nvPr/>
+          </p:nvSpPr>
+          <p:spPr>
+            <a:xfrm>
+              <a:off x="9030356" y="199548"/>
+              <a:ext cx="525042" cy="239652"/>
+            </a:xfrm>
+            <a:prstGeom prst="rightArrow">
+              <a:avLst/>
+            </a:prstGeom>
+            <a:solidFill>
+              <a:srgbClr val="FF0000"/>
+            </a:solidFill>
+          </p:spPr>
+          <p:style>
+            <a:lnRef idx="2">
+              <a:schemeClr val="accent1">
+                <a:shade val="50000"/>
+              </a:schemeClr>
+            </a:lnRef>
+            <a:fillRef idx="1">
+              <a:schemeClr val="accent1"/>
+            </a:fillRef>
+            <a:effectRef idx="0">
+              <a:schemeClr val="accent1"/>
+            </a:effectRef>
+            <a:fontRef idx="minor">
+              <a:schemeClr val="lt1"/>
+            </a:fontRef>
+          </p:style>
+          <p:txBody>
+            <a:bodyPr rtlCol="0" anchor="ctr"/>
+            <a:lstStyle/>
+            <a:p>
+              <a:pPr algn="ctr"/>
+              <a:endParaRPr lang="zh-TW" altLang="en-US"/>
+            </a:p>
+          </p:txBody>
+        </p:sp>
+        <p:sp>
+          <p:nvSpPr>
+            <p:cNvPr id="31" name="文字方塊 30">
+              <a:extLst>
+                <a:ext uri="{FF2B5EF4-FFF2-40B4-BE49-F238E27FC236}">
+                  <a16:creationId xmlns:a16="http://schemas.microsoft.com/office/drawing/2014/main" id="{C2BBE880-7BC3-4D89-869C-BF30124CDDF2}"/>
+                </a:ext>
+              </a:extLst>
+            </p:cNvPr>
+            <p:cNvSpPr txBox="1"/>
+            <p:nvPr/>
+          </p:nvSpPr>
+          <p:spPr>
+            <a:xfrm>
+              <a:off x="9670523" y="150097"/>
+              <a:ext cx="2749471" cy="338554"/>
+            </a:xfrm>
+            <a:prstGeom prst="rect">
+              <a:avLst/>
+            </a:prstGeom>
+            <a:noFill/>
+          </p:spPr>
+          <p:txBody>
+            <a:bodyPr wrap="none" rtlCol="0">
+              <a:spAutoFit/>
+            </a:bodyPr>
+            <a:lstStyle/>
+            <a:p>
+              <a:r>
+                <a:rPr lang="zh-TW" altLang="en-US" sz="1600" dirty="0">
+                  <a:latin typeface="標楷體" panose="03000509000000000000" pitchFamily="65" charset="-120"/>
+                  <a:ea typeface="標楷體" panose="03000509000000000000" pitchFamily="65" charset="-120"/>
+                </a:rPr>
+                <a:t>有向傳遞資料</a:t>
+              </a:r>
+              <a:r>
+                <a:rPr lang="en-US" altLang="zh-TW" sz="1600" dirty="0">
+                  <a:latin typeface="標楷體" panose="03000509000000000000" pitchFamily="65" charset="-120"/>
+                  <a:ea typeface="標楷體" panose="03000509000000000000" pitchFamily="65" charset="-120"/>
+                </a:rPr>
+                <a:t>(</a:t>
+              </a:r>
+              <a:r>
+                <a:rPr lang="zh-TW" altLang="en-US" sz="1600" dirty="0">
+                  <a:latin typeface="標楷體" panose="03000509000000000000" pitchFamily="65" charset="-120"/>
+                  <a:ea typeface="標楷體" panose="03000509000000000000" pitchFamily="65" charset="-120"/>
+                </a:rPr>
+                <a:t>進入 </a:t>
+              </a:r>
+              <a:r>
+                <a:rPr lang="en-US" altLang="zh-TW" sz="1600" dirty="0">
+                  <a:latin typeface="標楷體" panose="03000509000000000000" pitchFamily="65" charset="-120"/>
+                  <a:ea typeface="標楷體" panose="03000509000000000000" pitchFamily="65" charset="-120"/>
+                </a:rPr>
+                <a:t>server)</a:t>
+              </a:r>
+              <a:endParaRPr lang="zh-TW" altLang="en-US" sz="1600" dirty="0">
+                <a:latin typeface="標楷體" panose="03000509000000000000" pitchFamily="65" charset="-120"/>
+                <a:ea typeface="標楷體" panose="03000509000000000000" pitchFamily="65" charset="-120"/>
+              </a:endParaRPr>
+            </a:p>
+          </p:txBody>
+        </p:sp>
+      </p:grpSp>
+      <p:grpSp>
+        <p:nvGrpSpPr>
+          <p:cNvPr id="33" name="群組 32">
+            <a:extLst>
+              <a:ext uri="{FF2B5EF4-FFF2-40B4-BE49-F238E27FC236}">
+                <a16:creationId xmlns:a16="http://schemas.microsoft.com/office/drawing/2014/main" id="{539EEF25-9989-4357-807A-45B51219626F}"/>
+              </a:ext>
+            </a:extLst>
+          </p:cNvPr>
+          <p:cNvGrpSpPr/>
+          <p:nvPr/>
+        </p:nvGrpSpPr>
+        <p:grpSpPr>
+          <a:xfrm>
+            <a:off x="8404138" y="712289"/>
+            <a:ext cx="3389638" cy="338554"/>
+            <a:chOff x="9030356" y="150097"/>
+            <a:chExt cx="3389638" cy="338554"/>
+          </a:xfrm>
+        </p:grpSpPr>
+        <p:sp>
+          <p:nvSpPr>
+            <p:cNvPr id="34" name="箭號: 向右 33">
+              <a:extLst>
+                <a:ext uri="{FF2B5EF4-FFF2-40B4-BE49-F238E27FC236}">
+                  <a16:creationId xmlns:a16="http://schemas.microsoft.com/office/drawing/2014/main" id="{95484467-8274-4CAE-A243-3FBD90846946}"/>
+                </a:ext>
+              </a:extLst>
+            </p:cNvPr>
+            <p:cNvSpPr/>
+            <p:nvPr/>
+          </p:nvSpPr>
+          <p:spPr>
+            <a:xfrm>
+              <a:off x="9030356" y="199548"/>
+              <a:ext cx="525042" cy="239652"/>
+            </a:xfrm>
+            <a:prstGeom prst="rightArrow">
+              <a:avLst/>
+            </a:prstGeom>
+            <a:solidFill>
+              <a:schemeClr val="tx1"/>
+            </a:solidFill>
+          </p:spPr>
+          <p:style>
+            <a:lnRef idx="2">
+              <a:schemeClr val="accent1">
+                <a:shade val="50000"/>
+              </a:schemeClr>
+            </a:lnRef>
+            <a:fillRef idx="1">
+              <a:schemeClr val="accent1"/>
+            </a:fillRef>
+            <a:effectRef idx="0">
+              <a:schemeClr val="accent1"/>
+            </a:effectRef>
+            <a:fontRef idx="minor">
+              <a:schemeClr val="lt1"/>
+            </a:fontRef>
+          </p:style>
+          <p:txBody>
+            <a:bodyPr rtlCol="0" anchor="ctr"/>
+            <a:lstStyle/>
+            <a:p>
+              <a:pPr algn="ctr"/>
+              <a:endParaRPr lang="zh-TW" altLang="en-US"/>
+            </a:p>
+          </p:txBody>
+        </p:sp>
+        <p:sp>
+          <p:nvSpPr>
+            <p:cNvPr id="35" name="文字方塊 34">
+              <a:extLst>
+                <a:ext uri="{FF2B5EF4-FFF2-40B4-BE49-F238E27FC236}">
+                  <a16:creationId xmlns:a16="http://schemas.microsoft.com/office/drawing/2014/main" id="{02121092-75DB-41D5-8187-8F09218A8568}"/>
+                </a:ext>
+              </a:extLst>
+            </p:cNvPr>
+            <p:cNvSpPr txBox="1"/>
+            <p:nvPr/>
+          </p:nvSpPr>
+          <p:spPr>
+            <a:xfrm>
+              <a:off x="9670523" y="150097"/>
+              <a:ext cx="2749471" cy="338554"/>
+            </a:xfrm>
+            <a:prstGeom prst="rect">
+              <a:avLst/>
+            </a:prstGeom>
+            <a:noFill/>
+          </p:spPr>
+          <p:txBody>
+            <a:bodyPr wrap="none" rtlCol="0">
+              <a:spAutoFit/>
+            </a:bodyPr>
+            <a:lstStyle/>
+            <a:p>
+              <a:r>
+                <a:rPr lang="zh-TW" altLang="en-US" sz="1600" dirty="0">
+                  <a:latin typeface="標楷體" panose="03000509000000000000" pitchFamily="65" charset="-120"/>
+                  <a:ea typeface="標楷體" panose="03000509000000000000" pitchFamily="65" charset="-120"/>
+                </a:rPr>
+                <a:t>有向傳遞資料</a:t>
+              </a:r>
+              <a:r>
+                <a:rPr lang="en-US" altLang="zh-TW" sz="1600" dirty="0">
+                  <a:latin typeface="標楷體" panose="03000509000000000000" pitchFamily="65" charset="-120"/>
+                  <a:ea typeface="標楷體" panose="03000509000000000000" pitchFamily="65" charset="-120"/>
+                </a:rPr>
+                <a:t>(server </a:t>
+              </a:r>
+              <a:r>
+                <a:rPr lang="zh-TW" altLang="en-US" sz="1600" dirty="0">
+                  <a:latin typeface="標楷體" panose="03000509000000000000" pitchFamily="65" charset="-120"/>
+                  <a:ea typeface="標楷體" panose="03000509000000000000" pitchFamily="65" charset="-120"/>
+                </a:rPr>
+                <a:t>發出</a:t>
+              </a:r>
+              <a:r>
+                <a:rPr lang="en-US" altLang="zh-TW" sz="1600" dirty="0">
+                  <a:latin typeface="標楷體" panose="03000509000000000000" pitchFamily="65" charset="-120"/>
+                  <a:ea typeface="標楷體" panose="03000509000000000000" pitchFamily="65" charset="-120"/>
+                </a:rPr>
+                <a:t>)</a:t>
+              </a:r>
+              <a:endParaRPr lang="zh-TW" altLang="en-US" sz="1600" dirty="0">
+                <a:latin typeface="標楷體" panose="03000509000000000000" pitchFamily="65" charset="-120"/>
+                <a:ea typeface="標楷體" panose="03000509000000000000" pitchFamily="65" charset="-120"/>
+              </a:endParaRPr>
+            </a:p>
+          </p:txBody>
+        </p:sp>
+      </p:grpSp>
+      <p:grpSp>
+        <p:nvGrpSpPr>
+          <p:cNvPr id="36" name="群組 35">
+            <a:extLst>
+              <a:ext uri="{FF2B5EF4-FFF2-40B4-BE49-F238E27FC236}">
+                <a16:creationId xmlns:a16="http://schemas.microsoft.com/office/drawing/2014/main" id="{A8E89572-57CD-41E7-930A-2BE429636276}"/>
+              </a:ext>
+            </a:extLst>
+          </p:cNvPr>
+          <p:cNvGrpSpPr/>
+          <p:nvPr/>
+        </p:nvGrpSpPr>
+        <p:grpSpPr>
+          <a:xfrm>
+            <a:off x="8404138" y="1182794"/>
+            <a:ext cx="1235202" cy="338554"/>
+            <a:chOff x="9030356" y="150097"/>
+            <a:chExt cx="1235202" cy="338554"/>
+          </a:xfrm>
+        </p:grpSpPr>
+        <p:sp>
+          <p:nvSpPr>
+            <p:cNvPr id="37" name="箭號: 向右 36">
+              <a:extLst>
+                <a:ext uri="{FF2B5EF4-FFF2-40B4-BE49-F238E27FC236}">
+                  <a16:creationId xmlns:a16="http://schemas.microsoft.com/office/drawing/2014/main" id="{81E19FA7-6D8B-4204-A578-DCFB44CE72CC}"/>
+                </a:ext>
+              </a:extLst>
+            </p:cNvPr>
+            <p:cNvSpPr/>
+            <p:nvPr/>
+          </p:nvSpPr>
+          <p:spPr>
+            <a:xfrm>
+              <a:off x="9030356" y="199548"/>
+              <a:ext cx="525042" cy="239652"/>
+            </a:xfrm>
+            <a:prstGeom prst="rightArrow">
+              <a:avLst/>
+            </a:prstGeom>
+            <a:solidFill>
+              <a:srgbClr val="92D050"/>
+            </a:solidFill>
+          </p:spPr>
+          <p:style>
+            <a:lnRef idx="2">
+              <a:schemeClr val="accent1">
+                <a:shade val="50000"/>
+              </a:schemeClr>
+            </a:lnRef>
+            <a:fillRef idx="1">
+              <a:schemeClr val="accent1"/>
+            </a:fillRef>
+            <a:effectRef idx="0">
+              <a:schemeClr val="accent1"/>
+            </a:effectRef>
+            <a:fontRef idx="minor">
+              <a:schemeClr val="lt1"/>
+            </a:fontRef>
+          </p:style>
+          <p:txBody>
+            <a:bodyPr rtlCol="0" anchor="ctr"/>
+            <a:lstStyle/>
+            <a:p>
+              <a:pPr algn="ctr"/>
+              <a:endParaRPr lang="zh-TW" altLang="en-US"/>
+            </a:p>
+          </p:txBody>
+        </p:sp>
+        <p:sp>
+          <p:nvSpPr>
+            <p:cNvPr id="38" name="文字方塊 37">
+              <a:extLst>
+                <a:ext uri="{FF2B5EF4-FFF2-40B4-BE49-F238E27FC236}">
+                  <a16:creationId xmlns:a16="http://schemas.microsoft.com/office/drawing/2014/main" id="{A7CEAD0A-83EE-4965-A349-AA0672F3A932}"/>
+                </a:ext>
+              </a:extLst>
+            </p:cNvPr>
+            <p:cNvSpPr txBox="1"/>
+            <p:nvPr/>
+          </p:nvSpPr>
+          <p:spPr>
+            <a:xfrm>
+              <a:off x="9670523" y="150097"/>
+              <a:ext cx="595035" cy="338554"/>
+            </a:xfrm>
+            <a:prstGeom prst="rect">
+              <a:avLst/>
+            </a:prstGeom>
+            <a:noFill/>
+          </p:spPr>
+          <p:txBody>
+            <a:bodyPr wrap="none" rtlCol="0">
+              <a:spAutoFit/>
+            </a:bodyPr>
+            <a:lstStyle/>
+            <a:p>
+              <a:r>
+                <a:rPr lang="zh-TW" altLang="en-US" sz="1600" dirty="0">
+                  <a:latin typeface="標楷體" panose="03000509000000000000" pitchFamily="65" charset="-120"/>
+                  <a:ea typeface="標楷體" panose="03000509000000000000" pitchFamily="65" charset="-120"/>
+                </a:rPr>
+                <a:t>唯讀</a:t>
+              </a:r>
+            </a:p>
+          </p:txBody>
+        </p:sp>
+      </p:grpSp>
+      <p:sp>
+        <p:nvSpPr>
+          <p:cNvPr id="39" name="箭號: 向右 38">
+            <a:extLst>
+              <a:ext uri="{FF2B5EF4-FFF2-40B4-BE49-F238E27FC236}">
+                <a16:creationId xmlns:a16="http://schemas.microsoft.com/office/drawing/2014/main" id="{9781D9A0-BE2F-46B1-BB30-5EB14A91D33F}"/>
+              </a:ext>
+            </a:extLst>
+          </p:cNvPr>
+          <p:cNvSpPr/>
+          <p:nvPr/>
+        </p:nvSpPr>
+        <p:spPr>
+          <a:xfrm rot="16200000">
+            <a:off x="5423461" y="1685074"/>
+            <a:ext cx="871713" cy="801304"/>
+          </a:xfrm>
+          <a:prstGeom prst="rightArrow">
+            <a:avLst/>
+          </a:prstGeom>
+          <a:solidFill>
+            <a:schemeClr val="tx1"/>
+          </a:solidFill>
+        </p:spPr>
+        <p:style>
+          <a:lnRef idx="2">
+            <a:schemeClr val="accent1">
+              <a:shade val="50000"/>
+            </a:schemeClr>
+          </a:lnRef>
+          <a:fillRef idx="1">
+            <a:schemeClr val="accent1"/>
+          </a:fillRef>
+          <a:effectRef idx="0">
+            <a:schemeClr val="accent1"/>
+          </a:effectRef>
+          <a:fontRef idx="minor">
+            <a:schemeClr val="lt1"/>
+          </a:fontRef>
+        </p:style>
+        <p:txBody>
+          <a:bodyPr rtlCol="0" anchor="ctr"/>
+          <a:lstStyle/>
+          <a:p>
+            <a:pPr algn="ctr"/>
+            <a:endParaRPr lang="zh-TW" altLang="en-US"/>
+          </a:p>
+        </p:txBody>
+      </p:sp>
+    </p:spTree>
+    <p:extLst>
+      <p:ext uri="{BB962C8B-B14F-4D97-AF65-F5344CB8AC3E}">
+        <p14:creationId xmlns:p14="http://schemas.microsoft.com/office/powerpoint/2010/main" val="3118014320"/>
+      </p:ext>
+    </p:extLst>
+  </p:cSld>
+  <p:clrMapOvr>
+    <a:masterClrMapping/>
+  </p:clrMapOvr>
+</p:sld>
+</file>
+
 <file path=ppt/theme/theme1.xml><?xml version="1.0" encoding="utf-8"?>
 <a:theme xmlns:a="http://schemas.openxmlformats.org/drawingml/2006/main" name="回顧">
   <a:themeElements>

--- a/lineBot-workingFlow.pptx
+++ b/lineBot-workingFlow.pptx
@@ -444,7 +444,7 @@
           <a:p>
             <a:fld id="{D98B40CF-768E-4D03-A7D3-4735E18FA762}" type="datetimeFigureOut">
               <a:rPr lang="zh-TW" altLang="en-US" smtClean="0"/>
-              <a:t>2021/9/10</a:t>
+              <a:t>2021/9/11</a:t>
             </a:fld>
             <a:endParaRPr lang="zh-TW" altLang="en-US"/>
           </a:p>
@@ -700,7 +700,7 @@
           <a:p>
             <a:fld id="{D98B40CF-768E-4D03-A7D3-4735E18FA762}" type="datetimeFigureOut">
               <a:rPr lang="zh-TW" altLang="en-US" smtClean="0"/>
-              <a:t>2021/9/10</a:t>
+              <a:t>2021/9/11</a:t>
             </a:fld>
             <a:endParaRPr lang="zh-TW" altLang="en-US"/>
           </a:p>
@@ -874,7 +874,7 @@
           <a:p>
             <a:fld id="{D98B40CF-768E-4D03-A7D3-4735E18FA762}" type="datetimeFigureOut">
               <a:rPr lang="zh-TW" altLang="en-US" smtClean="0"/>
-              <a:t>2021/9/10</a:t>
+              <a:t>2021/9/11</a:t>
             </a:fld>
             <a:endParaRPr lang="zh-TW" altLang="en-US"/>
           </a:p>
@@ -1217,7 +1217,7 @@
           <a:p>
             <a:fld id="{D98B40CF-768E-4D03-A7D3-4735E18FA762}" type="datetimeFigureOut">
               <a:rPr lang="zh-TW" altLang="en-US" smtClean="0"/>
-              <a:t>2021/9/10</a:t>
+              <a:t>2021/9/11</a:t>
             </a:fld>
             <a:endParaRPr lang="zh-TW" altLang="en-US"/>
           </a:p>
@@ -1492,7 +1492,7 @@
           <a:p>
             <a:fld id="{D98B40CF-768E-4D03-A7D3-4735E18FA762}" type="datetimeFigureOut">
               <a:rPr lang="zh-TW" altLang="en-US" smtClean="0"/>
-              <a:t>2021/9/10</a:t>
+              <a:t>2021/9/11</a:t>
             </a:fld>
             <a:endParaRPr lang="zh-TW" altLang="en-US"/>
           </a:p>
@@ -1871,7 +1871,7 @@
           <a:p>
             <a:fld id="{D98B40CF-768E-4D03-A7D3-4735E18FA762}" type="datetimeFigureOut">
               <a:rPr lang="zh-TW" altLang="en-US" smtClean="0"/>
-              <a:t>2021/9/10</a:t>
+              <a:t>2021/9/11</a:t>
             </a:fld>
             <a:endParaRPr lang="zh-TW" altLang="en-US"/>
           </a:p>
@@ -1989,7 +1989,7 @@
           <a:p>
             <a:fld id="{D98B40CF-768E-4D03-A7D3-4735E18FA762}" type="datetimeFigureOut">
               <a:rPr lang="zh-TW" altLang="en-US" smtClean="0"/>
-              <a:t>2021/9/10</a:t>
+              <a:t>2021/9/11</a:t>
             </a:fld>
             <a:endParaRPr lang="zh-TW" altLang="en-US"/>
           </a:p>
@@ -2160,7 +2160,7 @@
           <a:p>
             <a:fld id="{D98B40CF-768E-4D03-A7D3-4735E18FA762}" type="datetimeFigureOut">
               <a:rPr lang="zh-TW" altLang="en-US" smtClean="0"/>
-              <a:t>2021/9/10</a:t>
+              <a:t>2021/9/11</a:t>
             </a:fld>
             <a:endParaRPr lang="zh-TW" altLang="en-US"/>
           </a:p>
@@ -2514,7 +2514,7 @@
           <a:p>
             <a:fld id="{D98B40CF-768E-4D03-A7D3-4735E18FA762}" type="datetimeFigureOut">
               <a:rPr lang="zh-TW" altLang="en-US" smtClean="0"/>
-              <a:t>2021/9/10</a:t>
+              <a:t>2021/9/11</a:t>
             </a:fld>
             <a:endParaRPr lang="zh-TW" altLang="en-US"/>
           </a:p>
@@ -2896,7 +2896,7 @@
           <a:p>
             <a:fld id="{D98B40CF-768E-4D03-A7D3-4735E18FA762}" type="datetimeFigureOut">
               <a:rPr lang="zh-TW" altLang="en-US" smtClean="0"/>
-              <a:t>2021/9/10</a:t>
+              <a:t>2021/9/11</a:t>
             </a:fld>
             <a:endParaRPr lang="zh-TW" altLang="en-US"/>
           </a:p>
@@ -3183,7 +3183,7 @@
           <a:p>
             <a:fld id="{D98B40CF-768E-4D03-A7D3-4735E18FA762}" type="datetimeFigureOut">
               <a:rPr lang="zh-TW" altLang="en-US" smtClean="0"/>
-              <a:t>2021/9/10</a:t>
+              <a:t>2021/9/11</a:t>
             </a:fld>
             <a:endParaRPr lang="zh-TW" altLang="en-US"/>
           </a:p>
@@ -4668,7 +4668,7 @@
         </p:nvSpPr>
         <p:spPr>
           <a:xfrm>
-            <a:off x="9217178" y="2537000"/>
+            <a:off x="9702202" y="2537000"/>
             <a:ext cx="973495" cy="953575"/>
           </a:xfrm>
           <a:prstGeom prst="roundRect">
@@ -5168,8 +5168,8 @@
         </p:nvSpPr>
         <p:spPr>
           <a:xfrm>
-            <a:off x="6537366" y="2141438"/>
-            <a:ext cx="2492990" cy="646331"/>
+            <a:off x="6001903" y="2141973"/>
+            <a:ext cx="4108817" cy="646331"/>
           </a:xfrm>
           <a:prstGeom prst="rect">
             <a:avLst/>
@@ -5182,6 +5182,7 @@
           </a:bodyPr>
           <a:lstStyle/>
           <a:p>
+            <a:pPr algn="ctr"/>
             <a:r>
               <a:rPr lang="zh-TW" altLang="en-US" dirty="0">
                 <a:latin typeface="標楷體" panose="03000509000000000000" pitchFamily="65" charset="-120"/>
@@ -5195,12 +5196,13 @@
             </a:endParaRPr>
           </a:p>
           <a:p>
+            <a:pPr algn="ctr"/>
             <a:r>
               <a:rPr lang="zh-TW" altLang="en-US" dirty="0">
                 <a:latin typeface="標楷體" panose="03000509000000000000" pitchFamily="65" charset="-120"/>
                 <a:ea typeface="標楷體" panose="03000509000000000000" pitchFamily="65" charset="-120"/>
               </a:rPr>
-              <a:t>發出通知警示救護人員</a:t>
+              <a:t>發出通知警示救護人員並傳輸機台編號</a:t>
             </a:r>
             <a:endParaRPr lang="en-US" altLang="zh-TW" dirty="0">
               <a:latin typeface="標楷體" panose="03000509000000000000" pitchFamily="65" charset="-120"/>
@@ -5995,6 +5997,112 @@
           <a:p>
             <a:pPr algn="ctr"/>
             <a:endParaRPr lang="zh-TW" altLang="en-US"/>
+          </a:p>
+        </p:txBody>
+      </p:sp>
+      <p:sp>
+        <p:nvSpPr>
+          <p:cNvPr id="3" name="箭號: 弧形下彎 2">
+            <a:extLst>
+              <a:ext uri="{FF2B5EF4-FFF2-40B4-BE49-F238E27FC236}">
+                <a16:creationId xmlns:a16="http://schemas.microsoft.com/office/drawing/2014/main" id="{8FFAF192-FE85-4ACC-BFEC-6FFD383E50F0}"/>
+              </a:ext>
+            </a:extLst>
+          </p:cNvPr>
+          <p:cNvSpPr/>
+          <p:nvPr/>
+        </p:nvSpPr>
+        <p:spPr>
+          <a:xfrm>
+            <a:off x="2351314" y="1825752"/>
+            <a:ext cx="7288026" cy="695831"/>
+          </a:xfrm>
+          <a:prstGeom prst="curvedDownArrow">
+            <a:avLst/>
+          </a:prstGeom>
+        </p:spPr>
+        <p:style>
+          <a:lnRef idx="2">
+            <a:schemeClr val="accent2">
+              <a:shade val="50000"/>
+            </a:schemeClr>
+          </a:lnRef>
+          <a:fillRef idx="1">
+            <a:schemeClr val="accent2"/>
+          </a:fillRef>
+          <a:effectRef idx="0">
+            <a:schemeClr val="accent2"/>
+          </a:effectRef>
+          <a:fontRef idx="minor">
+            <a:schemeClr val="lt1"/>
+          </a:fontRef>
+        </p:style>
+        <p:txBody>
+          <a:bodyPr rtlCol="0" anchor="ctr"/>
+          <a:lstStyle/>
+          <a:p>
+            <a:pPr algn="ctr"/>
+            <a:endParaRPr lang="zh-TW" altLang="en-US">
+              <a:solidFill>
+                <a:schemeClr val="tx1"/>
+              </a:solidFill>
+            </a:endParaRPr>
+          </a:p>
+        </p:txBody>
+      </p:sp>
+      <p:sp>
+        <p:nvSpPr>
+          <p:cNvPr id="40" name="文字方塊 39">
+            <a:extLst>
+              <a:ext uri="{FF2B5EF4-FFF2-40B4-BE49-F238E27FC236}">
+                <a16:creationId xmlns:a16="http://schemas.microsoft.com/office/drawing/2014/main" id="{70395F4F-AA76-4B6C-AE02-4E6645F403EA}"/>
+              </a:ext>
+            </a:extLst>
+          </p:cNvPr>
+          <p:cNvSpPr txBox="1"/>
+          <p:nvPr/>
+        </p:nvSpPr>
+        <p:spPr>
+          <a:xfrm>
+            <a:off x="8791573" y="1734979"/>
+            <a:ext cx="2954655" cy="369332"/>
+          </a:xfrm>
+          <a:prstGeom prst="rect">
+            <a:avLst/>
+          </a:prstGeom>
+          <a:noFill/>
+        </p:spPr>
+        <p:txBody>
+          <a:bodyPr wrap="none" rtlCol="0">
+            <a:spAutoFit/>
+          </a:bodyPr>
+          <a:lstStyle/>
+          <a:p>
+            <a:r>
+              <a:rPr lang="zh-TW" altLang="en-US" dirty="0">
+                <a:latin typeface="標楷體" panose="03000509000000000000" pitchFamily="65" charset="-120"/>
+                <a:ea typeface="標楷體" panose="03000509000000000000" pitchFamily="65" charset="-120"/>
+              </a:rPr>
+              <a:t>透過</a:t>
+            </a:r>
+            <a:r>
+              <a:rPr lang="en-US" altLang="zh-TW" dirty="0">
+                <a:latin typeface="標楷體" panose="03000509000000000000" pitchFamily="65" charset="-120"/>
+                <a:ea typeface="標楷體" panose="03000509000000000000" pitchFamily="65" charset="-120"/>
+              </a:rPr>
+              <a:t>Line</a:t>
+            </a:r>
+            <a:r>
+              <a:rPr lang="zh-TW" altLang="en-US" dirty="0">
+                <a:latin typeface="標楷體" panose="03000509000000000000" pitchFamily="65" charset="-120"/>
+                <a:ea typeface="標楷體" panose="03000509000000000000" pitchFamily="65" charset="-120"/>
+              </a:rPr>
+              <a:t>按鈕進行電話溝通</a:t>
+            </a:r>
+            <a:endParaRPr lang="en-US" altLang="zh-TW" dirty="0">
+              <a:latin typeface="標楷體" panose="03000509000000000000" pitchFamily="65" charset="-120"/>
+              <a:ea typeface="標楷體" panose="03000509000000000000" pitchFamily="65" charset="-120"/>
+            </a:endParaRPr>
           </a:p>
         </p:txBody>
       </p:sp>
